--- a/Documentation/QUIZ PUZZLE-GAMIFIED LEARNING.pptx
+++ b/Documentation/QUIZ PUZZLE-GAMIFIED LEARNING.pptx
@@ -138,7 +138,7 @@
   </p:defaultTextStyle>
   <p:extLst>
     <p:ext uri="{EFAFB233-063F-42B5-8137-9DF3F51BA10A}">
-      <p15:sldGuideLst xmlns="" xmlns:p15="http://schemas.microsoft.com/office/powerpoint/2012/main">
+      <p15:sldGuideLst xmlns:p15="http://schemas.microsoft.com/office/powerpoint/2012/main" xmlns="">
         <p15:guide id="1" orient="horz" pos="2160">
           <p15:clr>
             <a:srgbClr val="A4A3A4"/>
@@ -152,7 +152,7 @@
       </p15:sldGuideLst>
     </p:ext>
     <p:ext uri="{2D200454-40CA-4A62-9FC3-DE9A4176ACB9}">
-      <p15:notesGuideLst xmlns="" xmlns:p15="http://schemas.microsoft.com/office/powerpoint/2012/main"/>
+      <p15:notesGuideLst xmlns:p15="http://schemas.microsoft.com/office/powerpoint/2012/main" xmlns=""/>
     </p:ext>
   </p:extLst>
 </p:presentation>
@@ -241,7 +241,7 @@
             <a:fld id="{DDEE2A0B-86E8-46AD-8D7A-6254762C9557}" type="datetimeFigureOut">
               <a:rPr lang="en-US" smtClean="0"/>
               <a:pPr/>
-              <a:t>21/08/2025</a:t>
+              <a:t>24/08/2025</a:t>
             </a:fld>
             <a:endParaRPr lang="en-US"/>
           </a:p>
@@ -317,7 +317,7 @@
     </p:spTree>
     <p:extLst>
       <p:ext uri="{BB962C8B-B14F-4D97-AF65-F5344CB8AC3E}">
-        <p14:creationId xmlns="" xmlns:p14="http://schemas.microsoft.com/office/powerpoint/2010/main" val="2216672533"/>
+        <p14:creationId xmlns:p14="http://schemas.microsoft.com/office/powerpoint/2010/main" xmlns="" val="2216672533"/>
       </p:ext>
     </p:extLst>
   </p:cSld>
@@ -408,7 +408,7 @@
             <a:fld id="{C0B6C269-8C4E-4E0E-A28B-ACFB6E786E0F}" type="datetimeFigureOut">
               <a:rPr lang="en-US" smtClean="0"/>
               <a:pPr/>
-              <a:t>21/08/2025</a:t>
+              <a:t>24/08/2025</a:t>
             </a:fld>
             <a:endParaRPr lang="en-US"/>
           </a:p>
@@ -671,6 +671,88 @@
     </a:lvl9pPr>
   </p:notesStyle>
 </p:notesMaster>
+</file>
+
+<file path=ppt/notesSlides/notesSlide1.xml><?xml version="1.0" encoding="utf-8"?>
+<p:notes xmlns:a="http://schemas.openxmlformats.org/drawingml/2006/main" xmlns:r="http://schemas.openxmlformats.org/officeDocument/2006/relationships" xmlns:p="http://schemas.openxmlformats.org/presentationml/2006/main">
+  <p:cSld>
+    <p:spTree>
+      <p:nvGrpSpPr>
+        <p:cNvPr id="1" name=""/>
+        <p:cNvGrpSpPr/>
+        <p:nvPr/>
+      </p:nvGrpSpPr>
+      <p:grpSpPr>
+        <a:xfrm>
+          <a:off x="0" y="0"/>
+          <a:ext cx="0" cy="0"/>
+          <a:chOff x="0" y="0"/>
+          <a:chExt cx="0" cy="0"/>
+        </a:xfrm>
+      </p:grpSpPr>
+      <p:sp>
+        <p:nvSpPr>
+          <p:cNvPr id="2" name="Slide Image Placeholder 1"/>
+          <p:cNvSpPr>
+            <a:spLocks noGrp="1" noRot="1" noChangeAspect="1"/>
+          </p:cNvSpPr>
+          <p:nvPr>
+            <p:ph type="sldImg"/>
+          </p:nvPr>
+        </p:nvSpPr>
+        <p:spPr/>
+      </p:sp>
+      <p:sp>
+        <p:nvSpPr>
+          <p:cNvPr id="3" name="Notes Placeholder 2"/>
+          <p:cNvSpPr>
+            <a:spLocks noGrp="1"/>
+          </p:cNvSpPr>
+          <p:nvPr>
+            <p:ph type="body" idx="1"/>
+          </p:nvPr>
+        </p:nvSpPr>
+        <p:spPr/>
+        <p:txBody>
+          <a:bodyPr>
+            <a:normAutofit/>
+          </a:bodyPr>
+          <a:lstStyle/>
+          <a:p>
+            <a:endParaRPr lang="en-US" dirty="0"/>
+          </a:p>
+        </p:txBody>
+      </p:sp>
+      <p:sp>
+        <p:nvSpPr>
+          <p:cNvPr id="4" name="Slide Number Placeholder 3"/>
+          <p:cNvSpPr>
+            <a:spLocks noGrp="1"/>
+          </p:cNvSpPr>
+          <p:nvPr>
+            <p:ph type="sldNum" sz="quarter" idx="10"/>
+          </p:nvPr>
+        </p:nvSpPr>
+        <p:spPr/>
+        <p:txBody>
+          <a:bodyPr/>
+          <a:lstStyle/>
+          <a:p>
+            <a:fld id="{8855096A-B891-4725-B4E4-581E6D345569}" type="slidenum">
+              <a:rPr lang="en-US" smtClean="0"/>
+              <a:pPr/>
+              <a:t>16</a:t>
+            </a:fld>
+            <a:endParaRPr lang="en-US"/>
+          </a:p>
+        </p:txBody>
+      </p:sp>
+    </p:spTree>
+  </p:cSld>
+  <p:clrMapOvr>
+    <a:masterClrMapping/>
+  </p:clrMapOvr>
+</p:notes>
 </file>
 
 <file path=ppt/slideLayouts/slideLayout1.xml><?xml version="1.0" encoding="utf-8"?>
@@ -2045,7 +2127,7 @@
     </p:spTree>
     <p:extLst>
       <p:ext uri="{BB962C8B-B14F-4D97-AF65-F5344CB8AC3E}">
-        <p14:creationId xmlns="" xmlns:p14="http://schemas.microsoft.com/office/powerpoint/2010/main" val="4005853219"/>
+        <p14:creationId xmlns:p14="http://schemas.microsoft.com/office/powerpoint/2010/main" xmlns="" val="4005853219"/>
       </p:ext>
     </p:extLst>
   </p:cSld>
@@ -4329,7 +4411,19 @@
             </a:r>
             <a:r>
               <a:rPr lang="en-US" sz="2600" dirty="0"/>
-              <a:t>Administrators can create, edit, and delete quiz questions, set difficulty levels, and organize quizzes.</a:t>
+              <a:t>Administrators can create, edit, and delete quiz questions</a:t>
+            </a:r>
+            <a:r>
+              <a:rPr lang="en-US" sz="2600"/>
+              <a:t>, </a:t>
+            </a:r>
+            <a:r>
+              <a:rPr lang="en-US" sz="2600" smtClean="0"/>
+              <a:t>and </a:t>
+            </a:r>
+            <a:r>
+              <a:rPr lang="en-US" sz="2600" dirty="0"/>
+              <a:t>organize quizzes.</a:t>
             </a:r>
           </a:p>
           <a:p>
@@ -4540,8 +4634,13 @@
             </a:r>
             <a:r>
               <a:rPr lang="en-US" sz="2600" dirty="0"/>
-              <a:t> can upload puzzle images and configure them into pieces for different quiz levels.</a:t>
-            </a:r>
+              <a:t> can upload puzzle images and configure them into </a:t>
+            </a:r>
+            <a:r>
+              <a:rPr lang="en-US" sz="2600" dirty="0" smtClean="0"/>
+              <a:t>pieces.</a:t>
+            </a:r>
+            <a:endParaRPr lang="en-US" sz="2600" dirty="0"/>
           </a:p>
           <a:p>
             <a:r>
@@ -5474,7 +5573,7 @@
           <p:nvPr>
             <p:extLst>
               <p:ext uri="{D42A27DB-BD31-4B8C-83A1-F6EECF244321}">
-                <p14:modId xmlns="" xmlns:p14="http://schemas.microsoft.com/office/powerpoint/2010/main" val="3206989839"/>
+                <p14:modId xmlns:p14="http://schemas.microsoft.com/office/powerpoint/2010/main" xmlns="" val="3206989839"/>
               </p:ext>
             </p:extLst>
           </p:nvPr>
@@ -5493,91 +5592,91 @@
                 <a:gridCol w="835508">
                   <a:extLst>
                     <a:ext uri="{9D8B030D-6E8A-4147-A177-3AD203B41FA5}">
-                      <a16:colId xmlns="" xmlns:a16="http://schemas.microsoft.com/office/drawing/2014/main" val="20000"/>
+                      <a16:colId xmlns:a16="http://schemas.microsoft.com/office/drawing/2014/main" xmlns="" val="20000"/>
                     </a:ext>
                   </a:extLst>
                 </a:gridCol>
                 <a:gridCol w="935543">
                   <a:extLst>
                     <a:ext uri="{9D8B030D-6E8A-4147-A177-3AD203B41FA5}">
-                      <a16:colId xmlns="" xmlns:a16="http://schemas.microsoft.com/office/drawing/2014/main" val="20001"/>
+                      <a16:colId xmlns:a16="http://schemas.microsoft.com/office/drawing/2014/main" xmlns="" val="20001"/>
                     </a:ext>
                   </a:extLst>
                 </a:gridCol>
                 <a:gridCol w="832316">
                   <a:extLst>
                     <a:ext uri="{9D8B030D-6E8A-4147-A177-3AD203B41FA5}">
-                      <a16:colId xmlns="" xmlns:a16="http://schemas.microsoft.com/office/drawing/2014/main" val="20002"/>
+                      <a16:colId xmlns:a16="http://schemas.microsoft.com/office/drawing/2014/main" xmlns="" val="20002"/>
                     </a:ext>
                   </a:extLst>
                 </a:gridCol>
                 <a:gridCol w="608247">
                   <a:extLst>
                     <a:ext uri="{9D8B030D-6E8A-4147-A177-3AD203B41FA5}">
-                      <a16:colId xmlns="" xmlns:a16="http://schemas.microsoft.com/office/drawing/2014/main" val="20003"/>
+                      <a16:colId xmlns:a16="http://schemas.microsoft.com/office/drawing/2014/main" xmlns="" val="20003"/>
                     </a:ext>
                   </a:extLst>
                 </a:gridCol>
                 <a:gridCol w="561997">
                   <a:extLst>
                     <a:ext uri="{9D8B030D-6E8A-4147-A177-3AD203B41FA5}">
-                      <a16:colId xmlns="" xmlns:a16="http://schemas.microsoft.com/office/drawing/2014/main" val="20004"/>
+                      <a16:colId xmlns:a16="http://schemas.microsoft.com/office/drawing/2014/main" xmlns="" val="20004"/>
                     </a:ext>
                   </a:extLst>
                 </a:gridCol>
                 <a:gridCol w="584135">
                   <a:extLst>
                     <a:ext uri="{9D8B030D-6E8A-4147-A177-3AD203B41FA5}">
-                      <a16:colId xmlns="" xmlns:a16="http://schemas.microsoft.com/office/drawing/2014/main" val="20005"/>
+                      <a16:colId xmlns:a16="http://schemas.microsoft.com/office/drawing/2014/main" xmlns="" val="20005"/>
                     </a:ext>
                   </a:extLst>
                 </a:gridCol>
                 <a:gridCol w="550169">
                   <a:extLst>
                     <a:ext uri="{9D8B030D-6E8A-4147-A177-3AD203B41FA5}">
-                      <a16:colId xmlns="" xmlns:a16="http://schemas.microsoft.com/office/drawing/2014/main" val="20006"/>
+                      <a16:colId xmlns:a16="http://schemas.microsoft.com/office/drawing/2014/main" xmlns="" val="20006"/>
                     </a:ext>
                   </a:extLst>
                 </a:gridCol>
                 <a:gridCol w="553614">
                   <a:extLst>
                     <a:ext uri="{9D8B030D-6E8A-4147-A177-3AD203B41FA5}">
-                      <a16:colId xmlns="" xmlns:a16="http://schemas.microsoft.com/office/drawing/2014/main" val="20007"/>
+                      <a16:colId xmlns:a16="http://schemas.microsoft.com/office/drawing/2014/main" xmlns="" val="20007"/>
                     </a:ext>
                   </a:extLst>
                 </a:gridCol>
                 <a:gridCol w="553614">
                   <a:extLst>
                     <a:ext uri="{9D8B030D-6E8A-4147-A177-3AD203B41FA5}">
-                      <a16:colId xmlns="" xmlns:a16="http://schemas.microsoft.com/office/drawing/2014/main" val="20008"/>
+                      <a16:colId xmlns:a16="http://schemas.microsoft.com/office/drawing/2014/main" xmlns="" val="20008"/>
                     </a:ext>
                   </a:extLst>
                 </a:gridCol>
                 <a:gridCol w="553614">
                   <a:extLst>
                     <a:ext uri="{9D8B030D-6E8A-4147-A177-3AD203B41FA5}">
-                      <a16:colId xmlns="" xmlns:a16="http://schemas.microsoft.com/office/drawing/2014/main" val="20009"/>
+                      <a16:colId xmlns:a16="http://schemas.microsoft.com/office/drawing/2014/main" xmlns="" val="20009"/>
                     </a:ext>
                   </a:extLst>
                 </a:gridCol>
                 <a:gridCol w="553614">
                   <a:extLst>
                     <a:ext uri="{9D8B030D-6E8A-4147-A177-3AD203B41FA5}">
-                      <a16:colId xmlns="" xmlns:a16="http://schemas.microsoft.com/office/drawing/2014/main" val="20010"/>
+                      <a16:colId xmlns:a16="http://schemas.microsoft.com/office/drawing/2014/main" xmlns="" val="20010"/>
                     </a:ext>
                   </a:extLst>
                 </a:gridCol>
                 <a:gridCol w="553614">
                   <a:extLst>
                     <a:ext uri="{9D8B030D-6E8A-4147-A177-3AD203B41FA5}">
-                      <a16:colId xmlns="" xmlns:a16="http://schemas.microsoft.com/office/drawing/2014/main" val="20011"/>
+                      <a16:colId xmlns:a16="http://schemas.microsoft.com/office/drawing/2014/main" xmlns="" val="20011"/>
                     </a:ext>
                   </a:extLst>
                 </a:gridCol>
                 <a:gridCol w="553614">
                   <a:extLst>
                     <a:ext uri="{9D8B030D-6E8A-4147-A177-3AD203B41FA5}">
-                      <a16:colId xmlns="" xmlns:a16="http://schemas.microsoft.com/office/drawing/2014/main" val="20012"/>
+                      <a16:colId xmlns:a16="http://schemas.microsoft.com/office/drawing/2014/main" xmlns="" val="20012"/>
                     </a:ext>
                   </a:extLst>
                 </a:gridCol>
@@ -6156,7 +6255,7 @@
                 </a:tc>
                 <a:extLst>
                   <a:ext uri="{0D108BD9-81ED-4DB2-BD59-A6C34878D82A}">
-                    <a16:rowId xmlns="" xmlns:a16="http://schemas.microsoft.com/office/drawing/2014/main" val="10000"/>
+                    <a16:rowId xmlns:a16="http://schemas.microsoft.com/office/drawing/2014/main" xmlns="" val="10000"/>
                   </a:ext>
                 </a:extLst>
               </a:tr>
@@ -6310,7 +6409,7 @@
                 </a:tc>
                 <a:extLst>
                   <a:ext uri="{0D108BD9-81ED-4DB2-BD59-A6C34878D82A}">
-                    <a16:rowId xmlns="" xmlns:a16="http://schemas.microsoft.com/office/drawing/2014/main" val="10001"/>
+                    <a16:rowId xmlns:a16="http://schemas.microsoft.com/office/drawing/2014/main" xmlns="" val="10001"/>
                   </a:ext>
                 </a:extLst>
               </a:tr>
@@ -6385,7 +6484,7 @@
                       </a:pPr>
                       <a:r>
                         <a:rPr lang="en" dirty="0" smtClean="0"/>
-                        <a:t>8</a:t>
+                        <a:t>7</a:t>
                       </a:r>
                       <a:endParaRPr dirty="0"/>
                     </a:p>
@@ -6493,7 +6592,7 @@
                       </a:pPr>
                       <a:r>
                         <a:rPr lang="en" dirty="0" smtClean="0"/>
-                        <a:t>2</a:t>
+                        <a:t>1</a:t>
                       </a:r>
                       <a:endParaRPr dirty="0"/>
                     </a:p>
@@ -6668,7 +6767,7 @@
                 </a:tc>
                 <a:extLst>
                   <a:ext uri="{0D108BD9-81ED-4DB2-BD59-A6C34878D82A}">
-                    <a16:rowId xmlns="" xmlns:a16="http://schemas.microsoft.com/office/drawing/2014/main" val="10002"/>
+                    <a16:rowId xmlns:a16="http://schemas.microsoft.com/office/drawing/2014/main" xmlns="" val="10002"/>
                   </a:ext>
                 </a:extLst>
               </a:tr>
@@ -6750,7 +6849,7 @@
                       </a:pPr>
                       <a:r>
                         <a:rPr lang="en" dirty="0" smtClean="0"/>
-                        <a:t>9</a:t>
+                        <a:t>8</a:t>
                       </a:r>
                       <a:endParaRPr dirty="0"/>
                     </a:p>
@@ -6858,7 +6957,7 @@
                       </a:pPr>
                       <a:r>
                         <a:rPr lang="en" dirty="0" smtClean="0"/>
-                        <a:t>3</a:t>
+                        <a:t>2</a:t>
                       </a:r>
                       <a:endParaRPr dirty="0"/>
                     </a:p>
@@ -7033,7 +7132,7 @@
                 </a:tc>
                 <a:extLst>
                   <a:ext uri="{0D108BD9-81ED-4DB2-BD59-A6C34878D82A}">
-                    <a16:rowId xmlns="" xmlns:a16="http://schemas.microsoft.com/office/drawing/2014/main" val="10003"/>
+                    <a16:rowId xmlns:a16="http://schemas.microsoft.com/office/drawing/2014/main" xmlns="" val="10003"/>
                   </a:ext>
                 </a:extLst>
               </a:tr>
@@ -7108,7 +7207,7 @@
                       </a:pPr>
                       <a:r>
                         <a:rPr lang="en" dirty="0" smtClean="0"/>
-                        <a:t>8</a:t>
+                        <a:t>7</a:t>
                       </a:r>
                       <a:endParaRPr dirty="0"/>
                     </a:p>
@@ -7162,7 +7261,7 @@
                       </a:pPr>
                       <a:r>
                         <a:rPr lang="en" dirty="0" smtClean="0"/>
-                        <a:t>2</a:t>
+                        <a:t>1</a:t>
                       </a:r>
                       <a:endParaRPr dirty="0"/>
                     </a:p>
@@ -7391,7 +7490,7 @@
                 </a:tc>
                 <a:extLst>
                   <a:ext uri="{0D108BD9-81ED-4DB2-BD59-A6C34878D82A}">
-                    <a16:rowId xmlns="" xmlns:a16="http://schemas.microsoft.com/office/drawing/2014/main" val="10004"/>
+                    <a16:rowId xmlns:a16="http://schemas.microsoft.com/office/drawing/2014/main" xmlns="" val="10004"/>
                   </a:ext>
                 </a:extLst>
               </a:tr>
@@ -7545,7 +7644,7 @@
                 </a:tc>
                 <a:extLst>
                   <a:ext uri="{0D108BD9-81ED-4DB2-BD59-A6C34878D82A}">
-                    <a16:rowId xmlns="" xmlns:a16="http://schemas.microsoft.com/office/drawing/2014/main" val="10005"/>
+                    <a16:rowId xmlns:a16="http://schemas.microsoft.com/office/drawing/2014/main" xmlns="" val="10005"/>
                   </a:ext>
                 </a:extLst>
               </a:tr>
@@ -7903,7 +8002,7 @@
                 </a:tc>
                 <a:extLst>
                   <a:ext uri="{0D108BD9-81ED-4DB2-BD59-A6C34878D82A}">
-                    <a16:rowId xmlns="" xmlns:a16="http://schemas.microsoft.com/office/drawing/2014/main" val="10006"/>
+                    <a16:rowId xmlns:a16="http://schemas.microsoft.com/office/drawing/2014/main" xmlns="" val="10006"/>
                   </a:ext>
                 </a:extLst>
               </a:tr>
@@ -7978,7 +8077,7 @@
                       </a:pPr>
                       <a:r>
                         <a:rPr lang="en" dirty="0" smtClean="0"/>
-                        <a:t>9</a:t>
+                        <a:t>8</a:t>
                       </a:r>
                       <a:endParaRPr dirty="0"/>
                     </a:p>
@@ -8059,7 +8158,7 @@
                       </a:pPr>
                       <a:r>
                         <a:rPr lang="en" dirty="0" smtClean="0"/>
-                        <a:t>2</a:t>
+                        <a:t>1</a:t>
                       </a:r>
                       <a:endParaRPr dirty="0"/>
                     </a:p>
@@ -8261,7 +8360,7 @@
                 </a:tc>
                 <a:extLst>
                   <a:ext uri="{0D108BD9-81ED-4DB2-BD59-A6C34878D82A}">
-                    <a16:rowId xmlns="" xmlns:a16="http://schemas.microsoft.com/office/drawing/2014/main" val="10007"/>
+                    <a16:rowId xmlns:a16="http://schemas.microsoft.com/office/drawing/2014/main" xmlns="" val="10007"/>
                   </a:ext>
                 </a:extLst>
               </a:tr>
@@ -8444,7 +8543,7 @@
           <p:nvPr>
             <p:extLst>
               <p:ext uri="{D42A27DB-BD31-4B8C-83A1-F6EECF244321}">
-                <p14:modId xmlns="" xmlns:p14="http://schemas.microsoft.com/office/powerpoint/2010/main" val="3902094266"/>
+                <p14:modId xmlns:p14="http://schemas.microsoft.com/office/powerpoint/2010/main" xmlns="" val="3902094266"/>
               </p:ext>
             </p:extLst>
           </p:nvPr>
@@ -8463,91 +8562,91 @@
                 <a:gridCol w="835508">
                   <a:extLst>
                     <a:ext uri="{9D8B030D-6E8A-4147-A177-3AD203B41FA5}">
-                      <a16:colId xmlns="" xmlns:a16="http://schemas.microsoft.com/office/drawing/2014/main" val="20000"/>
+                      <a16:colId xmlns:a16="http://schemas.microsoft.com/office/drawing/2014/main" xmlns="" val="20000"/>
                     </a:ext>
                   </a:extLst>
                 </a:gridCol>
                 <a:gridCol w="935543">
                   <a:extLst>
                     <a:ext uri="{9D8B030D-6E8A-4147-A177-3AD203B41FA5}">
-                      <a16:colId xmlns="" xmlns:a16="http://schemas.microsoft.com/office/drawing/2014/main" val="20001"/>
+                      <a16:colId xmlns:a16="http://schemas.microsoft.com/office/drawing/2014/main" xmlns="" val="20001"/>
                     </a:ext>
                   </a:extLst>
                 </a:gridCol>
                 <a:gridCol w="832316">
                   <a:extLst>
                     <a:ext uri="{9D8B030D-6E8A-4147-A177-3AD203B41FA5}">
-                      <a16:colId xmlns="" xmlns:a16="http://schemas.microsoft.com/office/drawing/2014/main" val="20002"/>
+                      <a16:colId xmlns:a16="http://schemas.microsoft.com/office/drawing/2014/main" xmlns="" val="20002"/>
                     </a:ext>
                   </a:extLst>
                 </a:gridCol>
                 <a:gridCol w="608247">
                   <a:extLst>
                     <a:ext uri="{9D8B030D-6E8A-4147-A177-3AD203B41FA5}">
-                      <a16:colId xmlns="" xmlns:a16="http://schemas.microsoft.com/office/drawing/2014/main" val="20003"/>
+                      <a16:colId xmlns:a16="http://schemas.microsoft.com/office/drawing/2014/main" xmlns="" val="20003"/>
                     </a:ext>
                   </a:extLst>
                 </a:gridCol>
                 <a:gridCol w="561996">
                   <a:extLst>
                     <a:ext uri="{9D8B030D-6E8A-4147-A177-3AD203B41FA5}">
-                      <a16:colId xmlns="" xmlns:a16="http://schemas.microsoft.com/office/drawing/2014/main" val="20004"/>
+                      <a16:colId xmlns:a16="http://schemas.microsoft.com/office/drawing/2014/main" xmlns="" val="20004"/>
                     </a:ext>
                   </a:extLst>
                 </a:gridCol>
                 <a:gridCol w="584134">
                   <a:extLst>
                     <a:ext uri="{9D8B030D-6E8A-4147-A177-3AD203B41FA5}">
-                      <a16:colId xmlns="" xmlns:a16="http://schemas.microsoft.com/office/drawing/2014/main" val="20005"/>
+                      <a16:colId xmlns:a16="http://schemas.microsoft.com/office/drawing/2014/main" xmlns="" val="20005"/>
                     </a:ext>
                   </a:extLst>
                 </a:gridCol>
                 <a:gridCol w="550169">
                   <a:extLst>
                     <a:ext uri="{9D8B030D-6E8A-4147-A177-3AD203B41FA5}">
-                      <a16:colId xmlns="" xmlns:a16="http://schemas.microsoft.com/office/drawing/2014/main" val="20006"/>
+                      <a16:colId xmlns:a16="http://schemas.microsoft.com/office/drawing/2014/main" xmlns="" val="20006"/>
                     </a:ext>
                   </a:extLst>
                 </a:gridCol>
                 <a:gridCol w="553615">
                   <a:extLst>
                     <a:ext uri="{9D8B030D-6E8A-4147-A177-3AD203B41FA5}">
-                      <a16:colId xmlns="" xmlns:a16="http://schemas.microsoft.com/office/drawing/2014/main" val="20007"/>
+                      <a16:colId xmlns:a16="http://schemas.microsoft.com/office/drawing/2014/main" xmlns="" val="20007"/>
                     </a:ext>
                   </a:extLst>
                 </a:gridCol>
                 <a:gridCol w="553615">
                   <a:extLst>
                     <a:ext uri="{9D8B030D-6E8A-4147-A177-3AD203B41FA5}">
-                      <a16:colId xmlns="" xmlns:a16="http://schemas.microsoft.com/office/drawing/2014/main" val="20008"/>
+                      <a16:colId xmlns:a16="http://schemas.microsoft.com/office/drawing/2014/main" xmlns="" val="20008"/>
                     </a:ext>
                   </a:extLst>
                 </a:gridCol>
                 <a:gridCol w="553615">
                   <a:extLst>
                     <a:ext uri="{9D8B030D-6E8A-4147-A177-3AD203B41FA5}">
-                      <a16:colId xmlns="" xmlns:a16="http://schemas.microsoft.com/office/drawing/2014/main" val="20009"/>
+                      <a16:colId xmlns:a16="http://schemas.microsoft.com/office/drawing/2014/main" xmlns="" val="20009"/>
                     </a:ext>
                   </a:extLst>
                 </a:gridCol>
                 <a:gridCol w="553615">
                   <a:extLst>
                     <a:ext uri="{9D8B030D-6E8A-4147-A177-3AD203B41FA5}">
-                      <a16:colId xmlns="" xmlns:a16="http://schemas.microsoft.com/office/drawing/2014/main" val="20010"/>
+                      <a16:colId xmlns:a16="http://schemas.microsoft.com/office/drawing/2014/main" xmlns="" val="20010"/>
                     </a:ext>
                   </a:extLst>
                 </a:gridCol>
                 <a:gridCol w="553615">
                   <a:extLst>
                     <a:ext uri="{9D8B030D-6E8A-4147-A177-3AD203B41FA5}">
-                      <a16:colId xmlns="" xmlns:a16="http://schemas.microsoft.com/office/drawing/2014/main" val="20011"/>
+                      <a16:colId xmlns:a16="http://schemas.microsoft.com/office/drawing/2014/main" xmlns="" val="20011"/>
                     </a:ext>
                   </a:extLst>
                 </a:gridCol>
                 <a:gridCol w="553615">
                   <a:extLst>
                     <a:ext uri="{9D8B030D-6E8A-4147-A177-3AD203B41FA5}">
-                      <a16:colId xmlns="" xmlns:a16="http://schemas.microsoft.com/office/drawing/2014/main" val="20012"/>
+                      <a16:colId xmlns:a16="http://schemas.microsoft.com/office/drawing/2014/main" xmlns="" val="20012"/>
                     </a:ext>
                   </a:extLst>
                 </a:gridCol>
@@ -9126,7 +9225,7 @@
                 </a:tc>
                 <a:extLst>
                   <a:ext uri="{0D108BD9-81ED-4DB2-BD59-A6C34878D82A}">
-                    <a16:rowId xmlns="" xmlns:a16="http://schemas.microsoft.com/office/drawing/2014/main" val="10000"/>
+                    <a16:rowId xmlns:a16="http://schemas.microsoft.com/office/drawing/2014/main" xmlns="" val="10000"/>
                   </a:ext>
                 </a:extLst>
               </a:tr>
@@ -9280,7 +9379,7 @@
                 </a:tc>
                 <a:extLst>
                   <a:ext uri="{0D108BD9-81ED-4DB2-BD59-A6C34878D82A}">
-                    <a16:rowId xmlns="" xmlns:a16="http://schemas.microsoft.com/office/drawing/2014/main" val="10001"/>
+                    <a16:rowId xmlns:a16="http://schemas.microsoft.com/office/drawing/2014/main" xmlns="" val="10001"/>
                   </a:ext>
                 </a:extLst>
               </a:tr>
@@ -9354,8 +9453,8 @@
                         <a:buNone/>
                       </a:pPr>
                       <a:r>
-                        <a:rPr lang="en" dirty="0"/>
-                        <a:t>10</a:t>
+                        <a:rPr lang="en" dirty="0" smtClean="0"/>
+                        <a:t>7</a:t>
                       </a:r>
                       <a:endParaRPr dirty="0"/>
                     </a:p>
@@ -9408,8 +9507,8 @@
                         <a:buNone/>
                       </a:pPr>
                       <a:r>
-                        <a:rPr lang="en" dirty="0"/>
-                        <a:t>2</a:t>
+                        <a:rPr lang="en" dirty="0" smtClean="0"/>
+                        <a:t>1</a:t>
                       </a:r>
                       <a:endParaRPr dirty="0"/>
                     </a:p>
@@ -9435,8 +9534,8 @@
                         <a:buNone/>
                       </a:pPr>
                       <a:r>
-                        <a:rPr lang="en" dirty="0"/>
-                        <a:t>2</a:t>
+                        <a:rPr lang="en" dirty="0" smtClean="0"/>
+                        <a:t>1</a:t>
                       </a:r>
                       <a:endParaRPr dirty="0"/>
                     </a:p>
@@ -9462,8 +9561,8 @@
                         <a:buNone/>
                       </a:pPr>
                       <a:r>
-                        <a:rPr lang="en" dirty="0"/>
-                        <a:t>2</a:t>
+                        <a:rPr lang="en" dirty="0" smtClean="0"/>
+                        <a:t>1</a:t>
                       </a:r>
                       <a:endParaRPr dirty="0"/>
                     </a:p>
@@ -9638,7 +9737,7 @@
                 </a:tc>
                 <a:extLst>
                   <a:ext uri="{0D108BD9-81ED-4DB2-BD59-A6C34878D82A}">
-                    <a16:rowId xmlns="" xmlns:a16="http://schemas.microsoft.com/office/drawing/2014/main" val="10002"/>
+                    <a16:rowId xmlns:a16="http://schemas.microsoft.com/office/drawing/2014/main" xmlns="" val="10002"/>
                   </a:ext>
                 </a:extLst>
               </a:tr>
@@ -9996,7 +10095,7 @@
                 </a:tc>
                 <a:extLst>
                   <a:ext uri="{0D108BD9-81ED-4DB2-BD59-A6C34878D82A}">
-                    <a16:rowId xmlns="" xmlns:a16="http://schemas.microsoft.com/office/drawing/2014/main" val="10003"/>
+                    <a16:rowId xmlns:a16="http://schemas.microsoft.com/office/drawing/2014/main" xmlns="" val="10003"/>
                   </a:ext>
                 </a:extLst>
               </a:tr>
@@ -10146,7 +10245,7 @@
                 </a:tc>
                 <a:extLst>
                   <a:ext uri="{0D108BD9-81ED-4DB2-BD59-A6C34878D82A}">
-                    <a16:rowId xmlns="" xmlns:a16="http://schemas.microsoft.com/office/drawing/2014/main" val="10004"/>
+                    <a16:rowId xmlns:a16="http://schemas.microsoft.com/office/drawing/2014/main" xmlns="" val="10004"/>
                   </a:ext>
                 </a:extLst>
               </a:tr>
@@ -10217,34 +10316,7 @@
                       </a:pPr>
                       <a:r>
                         <a:rPr lang="en" dirty="0" smtClean="0"/>
-                        <a:t>57</a:t>
-                      </a:r>
-                      <a:endParaRPr dirty="0"/>
-                    </a:p>
-                  </a:txBody>
-                  <a:tcPr marL="91425" marR="91425" marT="91425" marB="91425" anchor="ctr">
-                    <a:solidFill>
-                      <a:schemeClr val="bg1"/>
-                    </a:solidFill>
-                  </a:tcPr>
-                </a:tc>
-                <a:tc>
-                  <a:txBody>
-                    <a:bodyPr/>
-                    <a:lstStyle/>
-                    <a:p>
-                      <a:pPr marL="0" lvl="0" indent="0" algn="ctr" rtl="0">
-                        <a:spcBef>
-                          <a:spcPts val="0"/>
-                        </a:spcBef>
-                        <a:spcAft>
-                          <a:spcPts val="0"/>
-                        </a:spcAft>
-                        <a:buNone/>
-                      </a:pPr>
-                      <a:r>
-                        <a:rPr lang="en" dirty="0"/>
-                        <a:t>11</a:t>
+                        <a:t>50</a:t>
                       </a:r>
                       <a:endParaRPr dirty="0"/>
                     </a:p>
@@ -10297,8 +10369,35 @@
                         <a:buNone/>
                       </a:pPr>
                       <a:r>
+                        <a:rPr lang="en" dirty="0" smtClean="0"/>
+                        <a:t>11</a:t>
+                      </a:r>
+                      <a:endParaRPr dirty="0"/>
+                    </a:p>
+                  </a:txBody>
+                  <a:tcPr marL="91425" marR="91425" marT="91425" marB="91425" anchor="ctr">
+                    <a:solidFill>
+                      <a:schemeClr val="bg1"/>
+                    </a:solidFill>
+                  </a:tcPr>
+                </a:tc>
+                <a:tc>
+                  <a:txBody>
+                    <a:bodyPr/>
+                    <a:lstStyle/>
+                    <a:p>
+                      <a:pPr marL="0" lvl="0" indent="0" algn="ctr" rtl="0">
+                        <a:spcBef>
+                          <a:spcPts val="0"/>
+                        </a:spcBef>
+                        <a:spcAft>
+                          <a:spcPts val="0"/>
+                        </a:spcAft>
+                        <a:buNone/>
+                      </a:pPr>
+                      <a:r>
                         <a:rPr lang="en-US" dirty="0" smtClean="0"/>
-                        <a:t>13</a:t>
+                        <a:t>11</a:t>
                       </a:r>
                       <a:endParaRPr dirty="0"/>
                     </a:p>
@@ -10325,7 +10424,7 @@
                       </a:pPr>
                       <a:r>
                         <a:rPr lang="en" dirty="0" smtClean="0"/>
-                        <a:t>10</a:t>
+                        <a:t>7</a:t>
                       </a:r>
                       <a:endParaRPr dirty="0"/>
                     </a:p>
@@ -10484,7 +10583,7 @@
                 </a:tc>
                 <a:extLst>
                   <a:ext uri="{0D108BD9-81ED-4DB2-BD59-A6C34878D82A}">
-                    <a16:rowId xmlns="" xmlns:a16="http://schemas.microsoft.com/office/drawing/2014/main" val="10007"/>
+                    <a16:rowId xmlns:a16="http://schemas.microsoft.com/office/drawing/2014/main" xmlns="" val="10007"/>
                   </a:ext>
                 </a:extLst>
               </a:tr>
@@ -10667,7 +10766,7 @@
           <p:nvPr>
             <p:extLst>
               <p:ext uri="{D42A27DB-BD31-4B8C-83A1-F6EECF244321}">
-                <p14:modId xmlns="" xmlns:p14="http://schemas.microsoft.com/office/powerpoint/2010/main" val="716020743"/>
+                <p14:modId xmlns:p14="http://schemas.microsoft.com/office/powerpoint/2010/main" xmlns="" val="716020743"/>
               </p:ext>
             </p:extLst>
           </p:nvPr>
@@ -10686,35 +10785,35 @@
                 <a:gridCol w="1612450">
                   <a:extLst>
                     <a:ext uri="{9D8B030D-6E8A-4147-A177-3AD203B41FA5}">
-                      <a16:colId xmlns="" xmlns:a16="http://schemas.microsoft.com/office/drawing/2014/main" val="20000"/>
+                      <a16:colId xmlns:a16="http://schemas.microsoft.com/office/drawing/2014/main" xmlns="" val="20000"/>
                     </a:ext>
                   </a:extLst>
                 </a:gridCol>
                 <a:gridCol w="1612450">
                   <a:extLst>
                     <a:ext uri="{9D8B030D-6E8A-4147-A177-3AD203B41FA5}">
-                      <a16:colId xmlns="" xmlns:a16="http://schemas.microsoft.com/office/drawing/2014/main" val="20001"/>
+                      <a16:colId xmlns:a16="http://schemas.microsoft.com/office/drawing/2014/main" xmlns="" val="20001"/>
                     </a:ext>
                   </a:extLst>
                 </a:gridCol>
                 <a:gridCol w="1612450">
                   <a:extLst>
                     <a:ext uri="{9D8B030D-6E8A-4147-A177-3AD203B41FA5}">
-                      <a16:colId xmlns="" xmlns:a16="http://schemas.microsoft.com/office/drawing/2014/main" val="20002"/>
+                      <a16:colId xmlns:a16="http://schemas.microsoft.com/office/drawing/2014/main" xmlns="" val="20002"/>
                     </a:ext>
                   </a:extLst>
                 </a:gridCol>
                 <a:gridCol w="1612450">
                   <a:extLst>
                     <a:ext uri="{9D8B030D-6E8A-4147-A177-3AD203B41FA5}">
-                      <a16:colId xmlns="" xmlns:a16="http://schemas.microsoft.com/office/drawing/2014/main" val="20003"/>
+                      <a16:colId xmlns:a16="http://schemas.microsoft.com/office/drawing/2014/main" xmlns="" val="20003"/>
                     </a:ext>
                   </a:extLst>
                 </a:gridCol>
                 <a:gridCol w="1715425">
                   <a:extLst>
                     <a:ext uri="{9D8B030D-6E8A-4147-A177-3AD203B41FA5}">
-                      <a16:colId xmlns="" xmlns:a16="http://schemas.microsoft.com/office/drawing/2014/main" val="20004"/>
+                      <a16:colId xmlns:a16="http://schemas.microsoft.com/office/drawing/2014/main" xmlns="" val="20004"/>
                     </a:ext>
                   </a:extLst>
                 </a:gridCol>
@@ -10915,7 +11014,7 @@
                 </a:tc>
                 <a:extLst>
                   <a:ext uri="{0D108BD9-81ED-4DB2-BD59-A6C34878D82A}">
-                    <a16:rowId xmlns="" xmlns:a16="http://schemas.microsoft.com/office/drawing/2014/main" val="10000"/>
+                    <a16:rowId xmlns:a16="http://schemas.microsoft.com/office/drawing/2014/main" xmlns="" val="10000"/>
                   </a:ext>
                 </a:extLst>
               </a:tr>
@@ -11017,7 +11116,7 @@
                       </a:pPr>
                       <a:r>
                         <a:rPr lang="en-US" dirty="0" smtClean="0"/>
-                        <a:t>8</a:t>
+                        <a:t>7</a:t>
                       </a:r>
                       <a:endParaRPr dirty="0"/>
                     </a:p>
@@ -11057,7 +11156,7 @@
                 </a:tc>
                 <a:extLst>
                   <a:ext uri="{0D108BD9-81ED-4DB2-BD59-A6C34878D82A}">
-                    <a16:rowId xmlns="" xmlns:a16="http://schemas.microsoft.com/office/drawing/2014/main" val="10001"/>
+                    <a16:rowId xmlns:a16="http://schemas.microsoft.com/office/drawing/2014/main" xmlns="" val="10001"/>
                   </a:ext>
                 </a:extLst>
               </a:tr>
@@ -11159,7 +11258,7 @@
                       </a:pPr>
                       <a:r>
                         <a:rPr lang="en-US" dirty="0" smtClean="0"/>
-                        <a:t>9</a:t>
+                        <a:t>8</a:t>
                       </a:r>
                       <a:endParaRPr dirty="0"/>
                     </a:p>
@@ -11199,7 +11298,7 @@
                 </a:tc>
                 <a:extLst>
                   <a:ext uri="{0D108BD9-81ED-4DB2-BD59-A6C34878D82A}">
-                    <a16:rowId xmlns="" xmlns:a16="http://schemas.microsoft.com/office/drawing/2014/main" val="10002"/>
+                    <a16:rowId xmlns:a16="http://schemas.microsoft.com/office/drawing/2014/main" xmlns="" val="10002"/>
                   </a:ext>
                 </a:extLst>
               </a:tr>
@@ -11301,7 +11400,7 @@
                       </a:pPr>
                       <a:r>
                         <a:rPr lang="en" dirty="0" smtClean="0"/>
-                        <a:t>8</a:t>
+                        <a:t>7</a:t>
                       </a:r>
                       <a:endParaRPr dirty="0"/>
                     </a:p>
@@ -11341,7 +11440,7 @@
                 </a:tc>
                 <a:extLst>
                   <a:ext uri="{0D108BD9-81ED-4DB2-BD59-A6C34878D82A}">
-                    <a16:rowId xmlns="" xmlns:a16="http://schemas.microsoft.com/office/drawing/2014/main" val="10003"/>
+                    <a16:rowId xmlns:a16="http://schemas.microsoft.com/office/drawing/2014/main" xmlns="" val="10003"/>
                   </a:ext>
                 </a:extLst>
               </a:tr>
@@ -11482,7 +11581,7 @@
                 </a:tc>
                 <a:extLst>
                   <a:ext uri="{0D108BD9-81ED-4DB2-BD59-A6C34878D82A}">
-                    <a16:rowId xmlns="" xmlns:a16="http://schemas.microsoft.com/office/drawing/2014/main" val="10004"/>
+                    <a16:rowId xmlns:a16="http://schemas.microsoft.com/office/drawing/2014/main" xmlns="" val="10004"/>
                   </a:ext>
                 </a:extLst>
               </a:tr>
@@ -11584,7 +11683,7 @@
                       </a:pPr>
                       <a:r>
                         <a:rPr lang="en" dirty="0" smtClean="0"/>
-                        <a:t>9</a:t>
+                        <a:t>8</a:t>
                       </a:r>
                       <a:endParaRPr dirty="0"/>
                     </a:p>
@@ -11624,7 +11723,7 @@
                 </a:tc>
                 <a:extLst>
                   <a:ext uri="{0D108BD9-81ED-4DB2-BD59-A6C34878D82A}">
-                    <a16:rowId xmlns="" xmlns:a16="http://schemas.microsoft.com/office/drawing/2014/main" val="10005"/>
+                    <a16:rowId xmlns:a16="http://schemas.microsoft.com/office/drawing/2014/main" xmlns="" val="10005"/>
                   </a:ext>
                 </a:extLst>
               </a:tr>
@@ -11730,7 +11829,7 @@
     </p:spTree>
     <p:extLst>
       <p:ext uri="{BB962C8B-B14F-4D97-AF65-F5344CB8AC3E}">
-        <p14:creationId xmlns="" xmlns:p14="http://schemas.microsoft.com/office/powerpoint/2010/main" val="3729327754"/>
+        <p14:creationId xmlns:p14="http://schemas.microsoft.com/office/powerpoint/2010/main" xmlns="" val="3729327754"/>
       </p:ext>
     </p:extLst>
   </p:cSld>
@@ -11812,7 +11911,7 @@
           <p:nvPr>
             <p:extLst>
               <p:ext uri="{D42A27DB-BD31-4B8C-83A1-F6EECF244321}">
-                <p14:modId xmlns="" xmlns:p14="http://schemas.microsoft.com/office/powerpoint/2010/main" val="716020743"/>
+                <p14:modId xmlns:p14="http://schemas.microsoft.com/office/powerpoint/2010/main" xmlns="" val="716020743"/>
               </p:ext>
             </p:extLst>
           </p:nvPr>
@@ -11831,35 +11930,35 @@
                 <a:gridCol w="1612450">
                   <a:extLst>
                     <a:ext uri="{9D8B030D-6E8A-4147-A177-3AD203B41FA5}">
-                      <a16:colId xmlns="" xmlns:a16="http://schemas.microsoft.com/office/drawing/2014/main" val="20000"/>
+                      <a16:colId xmlns:a16="http://schemas.microsoft.com/office/drawing/2014/main" xmlns="" val="20000"/>
                     </a:ext>
                   </a:extLst>
                 </a:gridCol>
                 <a:gridCol w="1612450">
                   <a:extLst>
                     <a:ext uri="{9D8B030D-6E8A-4147-A177-3AD203B41FA5}">
-                      <a16:colId xmlns="" xmlns:a16="http://schemas.microsoft.com/office/drawing/2014/main" val="20001"/>
+                      <a16:colId xmlns:a16="http://schemas.microsoft.com/office/drawing/2014/main" xmlns="" val="20001"/>
                     </a:ext>
                   </a:extLst>
                 </a:gridCol>
                 <a:gridCol w="1612450">
                   <a:extLst>
                     <a:ext uri="{9D8B030D-6E8A-4147-A177-3AD203B41FA5}">
-                      <a16:colId xmlns="" xmlns:a16="http://schemas.microsoft.com/office/drawing/2014/main" val="20002"/>
+                      <a16:colId xmlns:a16="http://schemas.microsoft.com/office/drawing/2014/main" xmlns="" val="20002"/>
                     </a:ext>
                   </a:extLst>
                 </a:gridCol>
                 <a:gridCol w="1612450">
                   <a:extLst>
                     <a:ext uri="{9D8B030D-6E8A-4147-A177-3AD203B41FA5}">
-                      <a16:colId xmlns="" xmlns:a16="http://schemas.microsoft.com/office/drawing/2014/main" val="20003"/>
+                      <a16:colId xmlns:a16="http://schemas.microsoft.com/office/drawing/2014/main" xmlns="" val="20003"/>
                     </a:ext>
                   </a:extLst>
                 </a:gridCol>
                 <a:gridCol w="1715425">
                   <a:extLst>
                     <a:ext uri="{9D8B030D-6E8A-4147-A177-3AD203B41FA5}">
-                      <a16:colId xmlns="" xmlns:a16="http://schemas.microsoft.com/office/drawing/2014/main" val="20004"/>
+                      <a16:colId xmlns:a16="http://schemas.microsoft.com/office/drawing/2014/main" xmlns="" val="20004"/>
                     </a:ext>
                   </a:extLst>
                 </a:gridCol>
@@ -12060,7 +12159,7 @@
                 </a:tc>
                 <a:extLst>
                   <a:ext uri="{0D108BD9-81ED-4DB2-BD59-A6C34878D82A}">
-                    <a16:rowId xmlns="" xmlns:a16="http://schemas.microsoft.com/office/drawing/2014/main" val="10000"/>
+                    <a16:rowId xmlns:a16="http://schemas.microsoft.com/office/drawing/2014/main" xmlns="" val="10000"/>
                   </a:ext>
                 </a:extLst>
               </a:tr>
@@ -12161,8 +12260,8 @@
                         <a:buNone/>
                       </a:pPr>
                       <a:r>
-                        <a:rPr lang="en" dirty="0"/>
-                        <a:t>10</a:t>
+                        <a:rPr lang="en" dirty="0" smtClean="0"/>
+                        <a:t>7</a:t>
                       </a:r>
                       <a:endParaRPr dirty="0"/>
                     </a:p>
@@ -12202,7 +12301,7 @@
                 </a:tc>
                 <a:extLst>
                   <a:ext uri="{0D108BD9-81ED-4DB2-BD59-A6C34878D82A}">
-                    <a16:rowId xmlns="" xmlns:a16="http://schemas.microsoft.com/office/drawing/2014/main" val="10002"/>
+                    <a16:rowId xmlns:a16="http://schemas.microsoft.com/office/drawing/2014/main" xmlns="" val="10002"/>
                   </a:ext>
                 </a:extLst>
               </a:tr>
@@ -12343,7 +12442,7 @@
                 </a:tc>
                 <a:extLst>
                   <a:ext uri="{0D108BD9-81ED-4DB2-BD59-A6C34878D82A}">
-                    <a16:rowId xmlns="" xmlns:a16="http://schemas.microsoft.com/office/drawing/2014/main" val="10003"/>
+                    <a16:rowId xmlns:a16="http://schemas.microsoft.com/office/drawing/2014/main" xmlns="" val="10003"/>
                   </a:ext>
                 </a:extLst>
               </a:tr>
@@ -12449,7 +12548,7 @@
     </p:spTree>
     <p:extLst>
       <p:ext uri="{BB962C8B-B14F-4D97-AF65-F5344CB8AC3E}">
-        <p14:creationId xmlns="" xmlns:p14="http://schemas.microsoft.com/office/powerpoint/2010/main" val="3729327754"/>
+        <p14:creationId xmlns:p14="http://schemas.microsoft.com/office/powerpoint/2010/main" xmlns="" val="3729327754"/>
       </p:ext>
     </p:extLst>
   </p:cSld>
@@ -12531,7 +12630,7 @@
           <p:nvPr>
             <p:extLst>
               <p:ext uri="{D42A27DB-BD31-4B8C-83A1-F6EECF244321}">
-                <p14:modId xmlns="" xmlns:p14="http://schemas.microsoft.com/office/powerpoint/2010/main" val="2611526191"/>
+                <p14:modId xmlns:p14="http://schemas.microsoft.com/office/powerpoint/2010/main" xmlns="" val="2611526191"/>
               </p:ext>
             </p:extLst>
           </p:nvPr>
@@ -12550,28 +12649,28 @@
                 <a:gridCol w="1828770">
                   <a:extLst>
                     <a:ext uri="{9D8B030D-6E8A-4147-A177-3AD203B41FA5}">
-                      <a16:colId xmlns="" xmlns:a16="http://schemas.microsoft.com/office/drawing/2014/main" val="20000"/>
+                      <a16:colId xmlns:a16="http://schemas.microsoft.com/office/drawing/2014/main" xmlns="" val="20000"/>
                     </a:ext>
                   </a:extLst>
                 </a:gridCol>
                 <a:gridCol w="1964497">
                   <a:extLst>
                     <a:ext uri="{9D8B030D-6E8A-4147-A177-3AD203B41FA5}">
-                      <a16:colId xmlns="" xmlns:a16="http://schemas.microsoft.com/office/drawing/2014/main" val="20001"/>
+                      <a16:colId xmlns:a16="http://schemas.microsoft.com/office/drawing/2014/main" xmlns="" val="20001"/>
                     </a:ext>
                   </a:extLst>
                 </a:gridCol>
                 <a:gridCol w="1797278">
                   <a:extLst>
                     <a:ext uri="{9D8B030D-6E8A-4147-A177-3AD203B41FA5}">
-                      <a16:colId xmlns="" xmlns:a16="http://schemas.microsoft.com/office/drawing/2014/main" val="20002"/>
+                      <a16:colId xmlns:a16="http://schemas.microsoft.com/office/drawing/2014/main" xmlns="" val="20002"/>
                     </a:ext>
                   </a:extLst>
                 </a:gridCol>
                 <a:gridCol w="2552580">
                   <a:extLst>
                     <a:ext uri="{9D8B030D-6E8A-4147-A177-3AD203B41FA5}">
-                      <a16:colId xmlns="" xmlns:a16="http://schemas.microsoft.com/office/drawing/2014/main" val="20003"/>
+                      <a16:colId xmlns:a16="http://schemas.microsoft.com/office/drawing/2014/main" xmlns="" val="20003"/>
                     </a:ext>
                   </a:extLst>
                 </a:gridCol>
@@ -12719,7 +12818,7 @@
                 </a:tc>
                 <a:extLst>
                   <a:ext uri="{0D108BD9-81ED-4DB2-BD59-A6C34878D82A}">
-                    <a16:rowId xmlns="" xmlns:a16="http://schemas.microsoft.com/office/drawing/2014/main" val="10000"/>
+                    <a16:rowId xmlns:a16="http://schemas.microsoft.com/office/drawing/2014/main" xmlns="" val="10000"/>
                   </a:ext>
                 </a:extLst>
               </a:tr>
@@ -12841,7 +12940,7 @@
                 </a:tc>
                 <a:extLst>
                   <a:ext uri="{0D108BD9-81ED-4DB2-BD59-A6C34878D82A}">
-                    <a16:rowId xmlns="" xmlns:a16="http://schemas.microsoft.com/office/drawing/2014/main" val="10001"/>
+                    <a16:rowId xmlns:a16="http://schemas.microsoft.com/office/drawing/2014/main" xmlns="" val="10001"/>
                   </a:ext>
                 </a:extLst>
               </a:tr>
@@ -12961,7 +13060,7 @@
                 </a:tc>
                 <a:extLst>
                   <a:ext uri="{0D108BD9-81ED-4DB2-BD59-A6C34878D82A}">
-                    <a16:rowId xmlns="" xmlns:a16="http://schemas.microsoft.com/office/drawing/2014/main" val="10002"/>
+                    <a16:rowId xmlns:a16="http://schemas.microsoft.com/office/drawing/2014/main" xmlns="" val="10002"/>
                   </a:ext>
                 </a:extLst>
               </a:tr>
@@ -13082,7 +13181,7 @@
                 </a:tc>
                 <a:extLst>
                   <a:ext uri="{0D108BD9-81ED-4DB2-BD59-A6C34878D82A}">
-                    <a16:rowId xmlns="" xmlns:a16="http://schemas.microsoft.com/office/drawing/2014/main" val="10003"/>
+                    <a16:rowId xmlns:a16="http://schemas.microsoft.com/office/drawing/2014/main" xmlns="" val="10003"/>
                   </a:ext>
                 </a:extLst>
               </a:tr>
@@ -13202,7 +13301,7 @@
                 </a:tc>
                 <a:extLst>
                   <a:ext uri="{0D108BD9-81ED-4DB2-BD59-A6C34878D82A}">
-                    <a16:rowId xmlns="" xmlns:a16="http://schemas.microsoft.com/office/drawing/2014/main" val="10004"/>
+                    <a16:rowId xmlns:a16="http://schemas.microsoft.com/office/drawing/2014/main" xmlns="" val="10004"/>
                   </a:ext>
                 </a:extLst>
               </a:tr>
@@ -13222,10 +13321,10 @@
                         <a:buNone/>
                       </a:pPr>
                       <a:r>
-                        <a:rPr lang="en"/>
+                        <a:rPr lang="en" dirty="0"/>
                         <a:t>5</a:t>
                       </a:r>
-                      <a:endParaRPr/>
+                      <a:endParaRPr dirty="0"/>
                     </a:p>
                   </a:txBody>
                   <a:tcPr marL="91425" marR="91425" marT="91425" marB="91425" anchor="ctr">
@@ -13316,7 +13415,7 @@
                 </a:tc>
                 <a:extLst>
                   <a:ext uri="{0D108BD9-81ED-4DB2-BD59-A6C34878D82A}">
-                    <a16:rowId xmlns="" xmlns:a16="http://schemas.microsoft.com/office/drawing/2014/main" val="10005"/>
+                    <a16:rowId xmlns:a16="http://schemas.microsoft.com/office/drawing/2014/main" xmlns="" val="10005"/>
                   </a:ext>
                 </a:extLst>
               </a:tr>
@@ -13336,10 +13435,10 @@
                         <a:buNone/>
                       </a:pPr>
                       <a:r>
-                        <a:rPr lang="en"/>
+                        <a:rPr lang="en" dirty="0"/>
                         <a:t>6</a:t>
                       </a:r>
-                      <a:endParaRPr/>
+                      <a:endParaRPr dirty="0"/>
                     </a:p>
                   </a:txBody>
                   <a:tcPr marL="91425" marR="91425" marT="91425" marB="91425" anchor="ctr">
@@ -13429,7 +13528,7 @@
                 </a:tc>
                 <a:extLst>
                   <a:ext uri="{0D108BD9-81ED-4DB2-BD59-A6C34878D82A}">
-                    <a16:rowId xmlns="" xmlns:a16="http://schemas.microsoft.com/office/drawing/2014/main" val="10006"/>
+                    <a16:rowId xmlns:a16="http://schemas.microsoft.com/office/drawing/2014/main" xmlns="" val="10006"/>
                   </a:ext>
                 </a:extLst>
               </a:tr>
@@ -13542,7 +13641,7 @@
                 </a:tc>
                 <a:extLst>
                   <a:ext uri="{0D108BD9-81ED-4DB2-BD59-A6C34878D82A}">
-                    <a16:rowId xmlns="" xmlns:a16="http://schemas.microsoft.com/office/drawing/2014/main" val="10007"/>
+                    <a16:rowId xmlns:a16="http://schemas.microsoft.com/office/drawing/2014/main" xmlns="" val="10007"/>
                   </a:ext>
                 </a:extLst>
               </a:tr>
@@ -13648,7 +13747,7 @@
     </p:spTree>
     <p:extLst>
       <p:ext uri="{BB962C8B-B14F-4D97-AF65-F5344CB8AC3E}">
-        <p14:creationId xmlns="" xmlns:p14="http://schemas.microsoft.com/office/powerpoint/2010/main" val="3480335941"/>
+        <p14:creationId xmlns:p14="http://schemas.microsoft.com/office/powerpoint/2010/main" xmlns="" val="3480335941"/>
       </p:ext>
     </p:extLst>
   </p:cSld>
@@ -13993,7 +14092,7 @@
     </p:spTree>
     <p:extLst>
       <p:ext uri="{BB962C8B-B14F-4D97-AF65-F5344CB8AC3E}">
-        <p14:creationId xmlns="" xmlns:p14="http://schemas.microsoft.com/office/powerpoint/2010/main" val="2979919727"/>
+        <p14:creationId xmlns:p14="http://schemas.microsoft.com/office/powerpoint/2010/main" xmlns="" val="2979919727"/>
       </p:ext>
     </p:extLst>
   </p:cSld>
@@ -14075,7 +14174,7 @@
           <p:nvPr>
             <p:extLst>
               <p:ext uri="{D42A27DB-BD31-4B8C-83A1-F6EECF244321}">
-                <p14:modId xmlns="" xmlns:p14="http://schemas.microsoft.com/office/powerpoint/2010/main" val="975679594"/>
+                <p14:modId xmlns:p14="http://schemas.microsoft.com/office/powerpoint/2010/main" xmlns="" val="975679594"/>
               </p:ext>
             </p:extLst>
           </p:nvPr>
@@ -14094,28 +14193,28 @@
                 <a:gridCol w="1811334">
                   <a:extLst>
                     <a:ext uri="{9D8B030D-6E8A-4147-A177-3AD203B41FA5}">
-                      <a16:colId xmlns="" xmlns:a16="http://schemas.microsoft.com/office/drawing/2014/main" val="20000"/>
+                      <a16:colId xmlns:a16="http://schemas.microsoft.com/office/drawing/2014/main" xmlns="" val="20000"/>
                     </a:ext>
                   </a:extLst>
                 </a:gridCol>
                 <a:gridCol w="1964497">
                   <a:extLst>
                     <a:ext uri="{9D8B030D-6E8A-4147-A177-3AD203B41FA5}">
-                      <a16:colId xmlns="" xmlns:a16="http://schemas.microsoft.com/office/drawing/2014/main" val="20001"/>
+                      <a16:colId xmlns:a16="http://schemas.microsoft.com/office/drawing/2014/main" xmlns="" val="20001"/>
                     </a:ext>
                   </a:extLst>
                 </a:gridCol>
                 <a:gridCol w="1786769">
                   <a:extLst>
                     <a:ext uri="{9D8B030D-6E8A-4147-A177-3AD203B41FA5}">
-                      <a16:colId xmlns="" xmlns:a16="http://schemas.microsoft.com/office/drawing/2014/main" val="20002"/>
+                      <a16:colId xmlns:a16="http://schemas.microsoft.com/office/drawing/2014/main" xmlns="" val="20002"/>
                     </a:ext>
                   </a:extLst>
                 </a:gridCol>
                 <a:gridCol w="2563089">
                   <a:extLst>
                     <a:ext uri="{9D8B030D-6E8A-4147-A177-3AD203B41FA5}">
-                      <a16:colId xmlns="" xmlns:a16="http://schemas.microsoft.com/office/drawing/2014/main" val="20003"/>
+                      <a16:colId xmlns:a16="http://schemas.microsoft.com/office/drawing/2014/main" xmlns="" val="20003"/>
                     </a:ext>
                   </a:extLst>
                 </a:gridCol>
@@ -14263,7 +14362,7 @@
                 </a:tc>
                 <a:extLst>
                   <a:ext uri="{0D108BD9-81ED-4DB2-BD59-A6C34878D82A}">
-                    <a16:rowId xmlns="" xmlns:a16="http://schemas.microsoft.com/office/drawing/2014/main" val="10000"/>
+                    <a16:rowId xmlns:a16="http://schemas.microsoft.com/office/drawing/2014/main" xmlns="" val="10000"/>
                   </a:ext>
                 </a:extLst>
               </a:tr>
@@ -14383,7 +14482,7 @@
                 </a:tc>
                 <a:extLst>
                   <a:ext uri="{0D108BD9-81ED-4DB2-BD59-A6C34878D82A}">
-                    <a16:rowId xmlns="" xmlns:a16="http://schemas.microsoft.com/office/drawing/2014/main" val="10001"/>
+                    <a16:rowId xmlns:a16="http://schemas.microsoft.com/office/drawing/2014/main" xmlns="" val="10001"/>
                   </a:ext>
                 </a:extLst>
               </a:tr>
@@ -14489,7 +14588,7 @@
     </p:spTree>
     <p:extLst>
       <p:ext uri="{BB962C8B-B14F-4D97-AF65-F5344CB8AC3E}">
-        <p14:creationId xmlns="" xmlns:p14="http://schemas.microsoft.com/office/powerpoint/2010/main" val="3340751333"/>
+        <p14:creationId xmlns:p14="http://schemas.microsoft.com/office/powerpoint/2010/main" xmlns="" val="3340751333"/>
       </p:ext>
     </p:extLst>
   </p:cSld>
@@ -14571,7 +14670,7 @@
           <p:nvPr>
             <p:extLst>
               <p:ext uri="{D42A27DB-BD31-4B8C-83A1-F6EECF244321}">
-                <p14:modId xmlns="" xmlns:p14="http://schemas.microsoft.com/office/powerpoint/2010/main" val="2944679008"/>
+                <p14:modId xmlns:p14="http://schemas.microsoft.com/office/powerpoint/2010/main" xmlns="" val="2944679008"/>
               </p:ext>
             </p:extLst>
           </p:nvPr>
@@ -14590,42 +14689,42 @@
                 <a:gridCol w="1386830">
                   <a:extLst>
                     <a:ext uri="{9D8B030D-6E8A-4147-A177-3AD203B41FA5}">
-                      <a16:colId xmlns="" xmlns:a16="http://schemas.microsoft.com/office/drawing/2014/main" val="20000"/>
+                      <a16:colId xmlns:a16="http://schemas.microsoft.com/office/drawing/2014/main" xmlns="" val="20000"/>
                     </a:ext>
                   </a:extLst>
                 </a:gridCol>
                 <a:gridCol w="1378338">
                   <a:extLst>
                     <a:ext uri="{9D8B030D-6E8A-4147-A177-3AD203B41FA5}">
-                      <a16:colId xmlns="" xmlns:a16="http://schemas.microsoft.com/office/drawing/2014/main" val="20001"/>
+                      <a16:colId xmlns:a16="http://schemas.microsoft.com/office/drawing/2014/main" xmlns="" val="20001"/>
                     </a:ext>
                   </a:extLst>
                 </a:gridCol>
                 <a:gridCol w="1388420">
                   <a:extLst>
                     <a:ext uri="{9D8B030D-6E8A-4147-A177-3AD203B41FA5}">
-                      <a16:colId xmlns="" xmlns:a16="http://schemas.microsoft.com/office/drawing/2014/main" val="20002"/>
+                      <a16:colId xmlns:a16="http://schemas.microsoft.com/office/drawing/2014/main" xmlns="" val="20002"/>
                     </a:ext>
                   </a:extLst>
                 </a:gridCol>
                 <a:gridCol w="1384300">
                   <a:extLst>
                     <a:ext uri="{9D8B030D-6E8A-4147-A177-3AD203B41FA5}">
-                      <a16:colId xmlns="" xmlns:a16="http://schemas.microsoft.com/office/drawing/2014/main" val="20003"/>
+                      <a16:colId xmlns:a16="http://schemas.microsoft.com/office/drawing/2014/main" xmlns="" val="20003"/>
                     </a:ext>
                   </a:extLst>
                 </a:gridCol>
                 <a:gridCol w="1362295">
                   <a:extLst>
                     <a:ext uri="{9D8B030D-6E8A-4147-A177-3AD203B41FA5}">
-                      <a16:colId xmlns="" xmlns:a16="http://schemas.microsoft.com/office/drawing/2014/main" val="20004"/>
+                      <a16:colId xmlns:a16="http://schemas.microsoft.com/office/drawing/2014/main" xmlns="" val="20004"/>
                     </a:ext>
                   </a:extLst>
                 </a:gridCol>
                 <a:gridCol w="1481816">
                   <a:extLst>
                     <a:ext uri="{9D8B030D-6E8A-4147-A177-3AD203B41FA5}">
-                      <a16:colId xmlns="" xmlns:a16="http://schemas.microsoft.com/office/drawing/2014/main" val="20005"/>
+                      <a16:colId xmlns:a16="http://schemas.microsoft.com/office/drawing/2014/main" xmlns="" val="20005"/>
                     </a:ext>
                   </a:extLst>
                 </a:gridCol>
@@ -14811,7 +14910,7 @@
                 </a:tc>
                 <a:extLst>
                   <a:ext uri="{0D108BD9-81ED-4DB2-BD59-A6C34878D82A}">
-                    <a16:rowId xmlns="" xmlns:a16="http://schemas.microsoft.com/office/drawing/2014/main" val="10000"/>
+                    <a16:rowId xmlns:a16="http://schemas.microsoft.com/office/drawing/2014/main" xmlns="" val="10000"/>
                   </a:ext>
                 </a:extLst>
               </a:tr>
@@ -15008,7 +15107,7 @@
                 </a:tc>
                 <a:extLst>
                   <a:ext uri="{0D108BD9-81ED-4DB2-BD59-A6C34878D82A}">
-                    <a16:rowId xmlns="" xmlns:a16="http://schemas.microsoft.com/office/drawing/2014/main" val="10001"/>
+                    <a16:rowId xmlns:a16="http://schemas.microsoft.com/office/drawing/2014/main" xmlns="" val="10001"/>
                   </a:ext>
                 </a:extLst>
               </a:tr>
@@ -15143,7 +15242,7 @@
                 </a:tc>
                 <a:extLst>
                   <a:ext uri="{0D108BD9-81ED-4DB2-BD59-A6C34878D82A}">
-                    <a16:rowId xmlns="" xmlns:a16="http://schemas.microsoft.com/office/drawing/2014/main" val="10002"/>
+                    <a16:rowId xmlns:a16="http://schemas.microsoft.com/office/drawing/2014/main" xmlns="" val="10002"/>
                   </a:ext>
                 </a:extLst>
               </a:tr>
@@ -15163,8 +15262,8 @@
                         <a:buNone/>
                       </a:pPr>
                       <a:r>
-                        <a:rPr lang="en" dirty="0"/>
-                        <a:t>3</a:t>
+                        <a:rPr lang="en" dirty="0" smtClean="0"/>
+                        <a:t>5</a:t>
                       </a:r>
                       <a:endParaRPr dirty="0"/>
                     </a:p>
@@ -15278,7 +15377,7 @@
                 </a:tc>
                 <a:extLst>
                   <a:ext uri="{0D108BD9-81ED-4DB2-BD59-A6C34878D82A}">
-                    <a16:rowId xmlns="" xmlns:a16="http://schemas.microsoft.com/office/drawing/2014/main" val="10003"/>
+                    <a16:rowId xmlns:a16="http://schemas.microsoft.com/office/drawing/2014/main" xmlns="" val="10003"/>
                   </a:ext>
                 </a:extLst>
               </a:tr>
@@ -15298,8 +15397,8 @@
                         <a:buNone/>
                       </a:pPr>
                       <a:r>
-                        <a:rPr lang="en" dirty="0"/>
-                        <a:t>4</a:t>
+                        <a:rPr lang="en" dirty="0" smtClean="0"/>
+                        <a:t>6</a:t>
                       </a:r>
                       <a:endParaRPr dirty="0"/>
                     </a:p>
@@ -15447,7 +15546,7 @@
                 </a:tc>
                 <a:extLst>
                   <a:ext uri="{0D108BD9-81ED-4DB2-BD59-A6C34878D82A}">
-                    <a16:rowId xmlns="" xmlns:a16="http://schemas.microsoft.com/office/drawing/2014/main" val="10006"/>
+                    <a16:rowId xmlns:a16="http://schemas.microsoft.com/office/drawing/2014/main" xmlns="" val="10006"/>
                   </a:ext>
                 </a:extLst>
               </a:tr>
@@ -15467,8 +15566,8 @@
                         <a:buNone/>
                       </a:pPr>
                       <a:r>
-                        <a:rPr lang="en" dirty="0"/>
-                        <a:t>5</a:t>
+                        <a:rPr lang="en" dirty="0" smtClean="0"/>
+                        <a:t>3</a:t>
                       </a:r>
                       <a:endParaRPr dirty="0"/>
                     </a:p>
@@ -15582,7 +15681,7 @@
                 </a:tc>
                 <a:extLst>
                   <a:ext uri="{0D108BD9-81ED-4DB2-BD59-A6C34878D82A}">
-                    <a16:rowId xmlns="" xmlns:a16="http://schemas.microsoft.com/office/drawing/2014/main" val="10007"/>
+                    <a16:rowId xmlns:a16="http://schemas.microsoft.com/office/drawing/2014/main" xmlns="" val="10007"/>
                   </a:ext>
                 </a:extLst>
               </a:tr>
@@ -15602,8 +15701,8 @@
                         <a:buNone/>
                       </a:pPr>
                       <a:r>
-                        <a:rPr lang="en" dirty="0"/>
-                        <a:t>6</a:t>
+                        <a:rPr lang="en" dirty="0" smtClean="0"/>
+                        <a:t>4</a:t>
                       </a:r>
                       <a:endParaRPr dirty="0"/>
                     </a:p>
@@ -15717,7 +15816,7 @@
                 </a:tc>
                 <a:extLst>
                   <a:ext uri="{0D108BD9-81ED-4DB2-BD59-A6C34878D82A}">
-                    <a16:rowId xmlns="" xmlns:a16="http://schemas.microsoft.com/office/drawing/2014/main" val="10008"/>
+                    <a16:rowId xmlns:a16="http://schemas.microsoft.com/office/drawing/2014/main" xmlns="" val="10008"/>
                   </a:ext>
                 </a:extLst>
               </a:tr>
@@ -15823,7 +15922,7 @@
     </p:spTree>
     <p:extLst>
       <p:ext uri="{BB962C8B-B14F-4D97-AF65-F5344CB8AC3E}">
-        <p14:creationId xmlns="" xmlns:p14="http://schemas.microsoft.com/office/powerpoint/2010/main" val="3929722202"/>
+        <p14:creationId xmlns:p14="http://schemas.microsoft.com/office/powerpoint/2010/main" xmlns="" val="3929722202"/>
       </p:ext>
     </p:extLst>
   </p:cSld>
@@ -15905,7 +16004,7 @@
           <p:nvPr>
             <p:extLst>
               <p:ext uri="{D42A27DB-BD31-4B8C-83A1-F6EECF244321}">
-                <p14:modId xmlns="" xmlns:p14="http://schemas.microsoft.com/office/powerpoint/2010/main" val="3431841109"/>
+                <p14:modId xmlns:p14="http://schemas.microsoft.com/office/powerpoint/2010/main" xmlns="" val="3431841109"/>
               </p:ext>
             </p:extLst>
           </p:nvPr>
@@ -15924,42 +16023,42 @@
                 <a:gridCol w="1345114">
                   <a:extLst>
                     <a:ext uri="{9D8B030D-6E8A-4147-A177-3AD203B41FA5}">
-                      <a16:colId xmlns="" xmlns:a16="http://schemas.microsoft.com/office/drawing/2014/main" val="20000"/>
+                      <a16:colId xmlns:a16="http://schemas.microsoft.com/office/drawing/2014/main" xmlns="" val="20000"/>
                     </a:ext>
                   </a:extLst>
                 </a:gridCol>
                 <a:gridCol w="1358467">
                   <a:extLst>
                     <a:ext uri="{9D8B030D-6E8A-4147-A177-3AD203B41FA5}">
-                      <a16:colId xmlns="" xmlns:a16="http://schemas.microsoft.com/office/drawing/2014/main" val="20001"/>
+                      <a16:colId xmlns:a16="http://schemas.microsoft.com/office/drawing/2014/main" xmlns="" val="20001"/>
                     </a:ext>
                   </a:extLst>
                 </a:gridCol>
                 <a:gridCol w="1358467">
                   <a:extLst>
                     <a:ext uri="{9D8B030D-6E8A-4147-A177-3AD203B41FA5}">
-                      <a16:colId xmlns="" xmlns:a16="http://schemas.microsoft.com/office/drawing/2014/main" val="20002"/>
+                      <a16:colId xmlns:a16="http://schemas.microsoft.com/office/drawing/2014/main" xmlns="" val="20002"/>
                     </a:ext>
                   </a:extLst>
                 </a:gridCol>
                 <a:gridCol w="1358467">
                   <a:extLst>
                     <a:ext uri="{9D8B030D-6E8A-4147-A177-3AD203B41FA5}">
-                      <a16:colId xmlns="" xmlns:a16="http://schemas.microsoft.com/office/drawing/2014/main" val="20003"/>
+                      <a16:colId xmlns:a16="http://schemas.microsoft.com/office/drawing/2014/main" xmlns="" val="20003"/>
                     </a:ext>
                   </a:extLst>
                 </a:gridCol>
                 <a:gridCol w="1358467">
                   <a:extLst>
                     <a:ext uri="{9D8B030D-6E8A-4147-A177-3AD203B41FA5}">
-                      <a16:colId xmlns="" xmlns:a16="http://schemas.microsoft.com/office/drawing/2014/main" val="20004"/>
+                      <a16:colId xmlns:a16="http://schemas.microsoft.com/office/drawing/2014/main" xmlns="" val="20004"/>
                     </a:ext>
                   </a:extLst>
                 </a:gridCol>
                 <a:gridCol w="1402128">
                   <a:extLst>
                     <a:ext uri="{9D8B030D-6E8A-4147-A177-3AD203B41FA5}">
-                      <a16:colId xmlns="" xmlns:a16="http://schemas.microsoft.com/office/drawing/2014/main" val="20005"/>
+                      <a16:colId xmlns:a16="http://schemas.microsoft.com/office/drawing/2014/main" xmlns="" val="20005"/>
                     </a:ext>
                   </a:extLst>
                 </a:gridCol>
@@ -16361,7 +16460,7 @@
                 </a:tc>
                 <a:extLst>
                   <a:ext uri="{0D108BD9-81ED-4DB2-BD59-A6C34878D82A}">
-                    <a16:rowId xmlns="" xmlns:a16="http://schemas.microsoft.com/office/drawing/2014/main" val="10000"/>
+                    <a16:rowId xmlns:a16="http://schemas.microsoft.com/office/drawing/2014/main" xmlns="" val="10000"/>
                   </a:ext>
                 </a:extLst>
               </a:tr>
@@ -16750,7 +16849,7 @@
                 </a:tc>
                 <a:extLst>
                   <a:ext uri="{0D108BD9-81ED-4DB2-BD59-A6C34878D82A}">
-                    <a16:rowId xmlns="" xmlns:a16="http://schemas.microsoft.com/office/drawing/2014/main" val="10001"/>
+                    <a16:rowId xmlns:a16="http://schemas.microsoft.com/office/drawing/2014/main" xmlns="" val="10001"/>
                   </a:ext>
                 </a:extLst>
               </a:tr>
@@ -17029,7 +17128,7 @@
                 </a:tc>
                 <a:extLst>
                   <a:ext uri="{0D108BD9-81ED-4DB2-BD59-A6C34878D82A}">
-                    <a16:rowId xmlns="" xmlns:a16="http://schemas.microsoft.com/office/drawing/2014/main" val="10002"/>
+                    <a16:rowId xmlns:a16="http://schemas.microsoft.com/office/drawing/2014/main" xmlns="" val="10002"/>
                   </a:ext>
                 </a:extLst>
               </a:tr>
@@ -17135,7 +17234,7 @@
     </p:spTree>
     <p:extLst>
       <p:ext uri="{BB962C8B-B14F-4D97-AF65-F5344CB8AC3E}">
-        <p14:creationId xmlns="" xmlns:p14="http://schemas.microsoft.com/office/powerpoint/2010/main" val="3560652123"/>
+        <p14:creationId xmlns:p14="http://schemas.microsoft.com/office/powerpoint/2010/main" xmlns="" val="3560652123"/>
       </p:ext>
     </p:extLst>
   </p:cSld>
@@ -17385,7 +17484,7 @@
     </p:spTree>
     <p:extLst>
       <p:ext uri="{BB962C8B-B14F-4D97-AF65-F5344CB8AC3E}">
-        <p14:creationId xmlns="" xmlns:p14="http://schemas.microsoft.com/office/powerpoint/2010/main" val="2943013317"/>
+        <p14:creationId xmlns:p14="http://schemas.microsoft.com/office/powerpoint/2010/main" xmlns="" val="2943013317"/>
       </p:ext>
     </p:extLst>
   </p:cSld>
@@ -17592,7 +17691,7 @@
     </p:spTree>
     <p:extLst>
       <p:ext uri="{BB962C8B-B14F-4D97-AF65-F5344CB8AC3E}">
-        <p14:creationId xmlns="" xmlns:p14="http://schemas.microsoft.com/office/powerpoint/2010/main" val="354542763"/>
+        <p14:creationId xmlns:p14="http://schemas.microsoft.com/office/powerpoint/2010/main" xmlns="" val="354542763"/>
       </p:ext>
     </p:extLst>
   </p:cSld>
@@ -17825,7 +17924,7 @@
     </p:spTree>
     <p:extLst>
       <p:ext uri="{BB962C8B-B14F-4D97-AF65-F5344CB8AC3E}">
-        <p14:creationId xmlns="" xmlns:p14="http://schemas.microsoft.com/office/powerpoint/2010/main" val="2305161154"/>
+        <p14:creationId xmlns:p14="http://schemas.microsoft.com/office/powerpoint/2010/main" xmlns="" val="2305161154"/>
       </p:ext>
     </p:extLst>
   </p:cSld>
@@ -18002,7 +18101,7 @@
     </p:spTree>
     <p:extLst>
       <p:ext uri="{BB962C8B-B14F-4D97-AF65-F5344CB8AC3E}">
-        <p14:creationId xmlns="" xmlns:p14="http://schemas.microsoft.com/office/powerpoint/2010/main" val="3795002270"/>
+        <p14:creationId xmlns:p14="http://schemas.microsoft.com/office/powerpoint/2010/main" xmlns="" val="3795002270"/>
       </p:ext>
     </p:extLst>
   </p:cSld>
@@ -18065,7 +18164,7 @@
     </p:spTree>
     <p:extLst>
       <p:ext uri="{BB962C8B-B14F-4D97-AF65-F5344CB8AC3E}">
-        <p14:creationId xmlns="" xmlns:p14="http://schemas.microsoft.com/office/powerpoint/2010/main" val="422872674"/>
+        <p14:creationId xmlns:p14="http://schemas.microsoft.com/office/powerpoint/2010/main" xmlns="" val="422872674"/>
       </p:ext>
     </p:extLst>
   </p:cSld>
@@ -19244,7 +19343,7 @@
         <p:cNvPr id="1" name="">
           <a:extLst>
             <a:ext uri="{FF2B5EF4-FFF2-40B4-BE49-F238E27FC236}">
-              <a16:creationId xmlns="" xmlns:a16="http://schemas.microsoft.com/office/drawing/2014/main" id="{435CA5DB-C95B-9274-6CC6-BBDD6124343D}"/>
+              <a16:creationId xmlns:a16="http://schemas.microsoft.com/office/drawing/2014/main" xmlns="" id="{435CA5DB-C95B-9274-6CC6-BBDD6124343D}"/>
             </a:ext>
           </a:extLst>
         </p:cNvPr>
@@ -19264,7 +19363,7 @@
           <p:cNvPr id="2" name="Title 1">
             <a:extLst>
               <a:ext uri="{FF2B5EF4-FFF2-40B4-BE49-F238E27FC236}">
-                <a16:creationId xmlns="" xmlns:a16="http://schemas.microsoft.com/office/drawing/2014/main" id="{70D7FD21-F072-514B-1259-00E2A2C72872}"/>
+                <a16:creationId xmlns:a16="http://schemas.microsoft.com/office/drawing/2014/main" xmlns="" id="{70D7FD21-F072-514B-1259-00E2A2C72872}"/>
               </a:ext>
             </a:extLst>
           </p:cNvPr>
@@ -19293,7 +19392,7 @@
           <p:cNvPr id="3" name="Content Placeholder 2">
             <a:extLst>
               <a:ext uri="{FF2B5EF4-FFF2-40B4-BE49-F238E27FC236}">
-                <a16:creationId xmlns="" xmlns:a16="http://schemas.microsoft.com/office/drawing/2014/main" id="{8B3013F8-EA75-8B73-B691-9967DDB1449D}"/>
+                <a16:creationId xmlns:a16="http://schemas.microsoft.com/office/drawing/2014/main" xmlns="" id="{8B3013F8-EA75-8B73-B691-9967DDB1449D}"/>
               </a:ext>
             </a:extLst>
           </p:cNvPr>
@@ -19442,7 +19541,7 @@
     </p:spTree>
     <p:extLst>
       <p:ext uri="{BB962C8B-B14F-4D97-AF65-F5344CB8AC3E}">
-        <p14:creationId xmlns="" xmlns:p14="http://schemas.microsoft.com/office/powerpoint/2010/main" val="630680352"/>
+        <p14:creationId xmlns:p14="http://schemas.microsoft.com/office/powerpoint/2010/main" xmlns="" val="630680352"/>
       </p:ext>
     </p:extLst>
   </p:cSld>
@@ -19467,7 +19566,7 @@
         <p:cNvPr id="1" name="">
           <a:extLst>
             <a:ext uri="{FF2B5EF4-FFF2-40B4-BE49-F238E27FC236}">
-              <a16:creationId xmlns="" xmlns:a16="http://schemas.microsoft.com/office/drawing/2014/main" id="{D9A89323-CAA4-5F8F-BC23-AF2428BA79DA}"/>
+              <a16:creationId xmlns:a16="http://schemas.microsoft.com/office/drawing/2014/main" xmlns="" id="{D9A89323-CAA4-5F8F-BC23-AF2428BA79DA}"/>
             </a:ext>
           </a:extLst>
         </p:cNvPr>
@@ -19487,7 +19586,7 @@
           <p:cNvPr id="2" name="Title 1">
             <a:extLst>
               <a:ext uri="{FF2B5EF4-FFF2-40B4-BE49-F238E27FC236}">
-                <a16:creationId xmlns="" xmlns:a16="http://schemas.microsoft.com/office/drawing/2014/main" id="{80A72957-0B3A-B1DC-4183-C152345F07C0}"/>
+                <a16:creationId xmlns:a16="http://schemas.microsoft.com/office/drawing/2014/main" xmlns="" id="{80A72957-0B3A-B1DC-4183-C152345F07C0}"/>
               </a:ext>
             </a:extLst>
           </p:cNvPr>
@@ -19516,7 +19615,7 @@
           <p:cNvPr id="3" name="Content Placeholder 2">
             <a:extLst>
               <a:ext uri="{FF2B5EF4-FFF2-40B4-BE49-F238E27FC236}">
-                <a16:creationId xmlns="" xmlns:a16="http://schemas.microsoft.com/office/drawing/2014/main" id="{F99433FB-9787-5DBA-F8F3-B66560196327}"/>
+                <a16:creationId xmlns:a16="http://schemas.microsoft.com/office/drawing/2014/main" xmlns="" id="{F99433FB-9787-5DBA-F8F3-B66560196327}"/>
               </a:ext>
             </a:extLst>
           </p:cNvPr>
@@ -19669,7 +19768,7 @@
     </p:spTree>
     <p:extLst>
       <p:ext uri="{BB962C8B-B14F-4D97-AF65-F5344CB8AC3E}">
-        <p14:creationId xmlns="" xmlns:p14="http://schemas.microsoft.com/office/powerpoint/2010/main" val="2460749319"/>
+        <p14:creationId xmlns:p14="http://schemas.microsoft.com/office/powerpoint/2010/main" xmlns="" val="2460749319"/>
       </p:ext>
     </p:extLst>
   </p:cSld>
@@ -20703,7 +20802,7 @@
   <a:extraClrSchemeLst/>
   <a:extLst>
     <a:ext uri="{05A4C25C-085E-4340-85A3-A5531E510DB2}">
-      <thm15:themeFamily xmlns="" xmlns:thm15="http://schemas.microsoft.com/office/thememl/2012/main" name="Office Theme" id="{62F939B6-93AF-4DB8-9C6B-D6C7DFDC589F}" vid="{4A3C46E8-61CC-4603-A589-7422A47A8E4A}"/>
+      <thm15:themeFamily xmlns:thm15="http://schemas.microsoft.com/office/thememl/2012/main" xmlns="" name="Office Theme" id="{62F939B6-93AF-4DB8-9C6B-D6C7DFDC589F}" vid="{4A3C46E8-61CC-4603-A589-7422A47A8E4A}"/>
     </a:ext>
   </a:extLst>
 </a:theme>
